--- a/אפיון המערכת/מסכים.pptx
+++ b/אפיון המערכת/מסכים.pptx
@@ -222,7 +222,7 @@
           <a:p>
             <a:fld id="{35E2516B-3266-4A85-8D3E-1775D27CC7F2}" type="datetimeFigureOut">
               <a:rPr lang="he-IL" smtClean="0"/>
-              <a:t>כ"א/אדר/תשפ"ה</a:t>
+              <a:t>כ"ד/ניסן/תשפ"ה</a:t>
             </a:fld>
             <a:endParaRPr lang="he-IL"/>
           </a:p>
@@ -636,7 +636,7 @@
           <a:p>
             <a:fld id="{F83F8E53-F551-4306-A8DA-3421021F0972}" type="datetimeFigureOut">
               <a:rPr lang="he-IL" smtClean="0"/>
-              <a:t>כ"א/אדר/תשפ"ה</a:t>
+              <a:t>כ"ד/ניסן/תשפ"ה</a:t>
             </a:fld>
             <a:endParaRPr lang="he-IL"/>
           </a:p>
@@ -834,7 +834,7 @@
           <a:p>
             <a:fld id="{F83F8E53-F551-4306-A8DA-3421021F0972}" type="datetimeFigureOut">
               <a:rPr lang="he-IL" smtClean="0"/>
-              <a:t>כ"א/אדר/תשפ"ה</a:t>
+              <a:t>כ"ד/ניסן/תשפ"ה</a:t>
             </a:fld>
             <a:endParaRPr lang="he-IL"/>
           </a:p>
@@ -1042,7 +1042,7 @@
           <a:p>
             <a:fld id="{F83F8E53-F551-4306-A8DA-3421021F0972}" type="datetimeFigureOut">
               <a:rPr lang="he-IL" smtClean="0"/>
-              <a:t>כ"א/אדר/תשפ"ה</a:t>
+              <a:t>כ"ד/ניסן/תשפ"ה</a:t>
             </a:fld>
             <a:endParaRPr lang="he-IL"/>
           </a:p>
@@ -1240,7 +1240,7 @@
           <a:p>
             <a:fld id="{F83F8E53-F551-4306-A8DA-3421021F0972}" type="datetimeFigureOut">
               <a:rPr lang="he-IL" smtClean="0"/>
-              <a:t>כ"א/אדר/תשפ"ה</a:t>
+              <a:t>כ"ד/ניסן/תשפ"ה</a:t>
             </a:fld>
             <a:endParaRPr lang="he-IL"/>
           </a:p>
@@ -1515,7 +1515,7 @@
           <a:p>
             <a:fld id="{F83F8E53-F551-4306-A8DA-3421021F0972}" type="datetimeFigureOut">
               <a:rPr lang="he-IL" smtClean="0"/>
-              <a:t>כ"א/אדר/תשפ"ה</a:t>
+              <a:t>כ"ד/ניסן/תשפ"ה</a:t>
             </a:fld>
             <a:endParaRPr lang="he-IL"/>
           </a:p>
@@ -1780,7 +1780,7 @@
           <a:p>
             <a:fld id="{F83F8E53-F551-4306-A8DA-3421021F0972}" type="datetimeFigureOut">
               <a:rPr lang="he-IL" smtClean="0"/>
-              <a:t>כ"א/אדר/תשפ"ה</a:t>
+              <a:t>כ"ד/ניסן/תשפ"ה</a:t>
             </a:fld>
             <a:endParaRPr lang="he-IL"/>
           </a:p>
@@ -2192,7 +2192,7 @@
           <a:p>
             <a:fld id="{F83F8E53-F551-4306-A8DA-3421021F0972}" type="datetimeFigureOut">
               <a:rPr lang="he-IL" smtClean="0"/>
-              <a:t>כ"א/אדר/תשפ"ה</a:t>
+              <a:t>כ"ד/ניסן/תשפ"ה</a:t>
             </a:fld>
             <a:endParaRPr lang="he-IL"/>
           </a:p>
@@ -2333,7 +2333,7 @@
           <a:p>
             <a:fld id="{F83F8E53-F551-4306-A8DA-3421021F0972}" type="datetimeFigureOut">
               <a:rPr lang="he-IL" smtClean="0"/>
-              <a:t>כ"א/אדר/תשפ"ה</a:t>
+              <a:t>כ"ד/ניסן/תשפ"ה</a:t>
             </a:fld>
             <a:endParaRPr lang="he-IL"/>
           </a:p>
@@ -2446,7 +2446,7 @@
           <a:p>
             <a:fld id="{F83F8E53-F551-4306-A8DA-3421021F0972}" type="datetimeFigureOut">
               <a:rPr lang="he-IL" smtClean="0"/>
-              <a:t>כ"א/אדר/תשפ"ה</a:t>
+              <a:t>כ"ד/ניסן/תשפ"ה</a:t>
             </a:fld>
             <a:endParaRPr lang="he-IL"/>
           </a:p>
@@ -2757,7 +2757,7 @@
           <a:p>
             <a:fld id="{F83F8E53-F551-4306-A8DA-3421021F0972}" type="datetimeFigureOut">
               <a:rPr lang="he-IL" smtClean="0"/>
-              <a:t>כ"א/אדר/תשפ"ה</a:t>
+              <a:t>כ"ד/ניסן/תשפ"ה</a:t>
             </a:fld>
             <a:endParaRPr lang="he-IL"/>
           </a:p>
@@ -3045,7 +3045,7 @@
           <a:p>
             <a:fld id="{F83F8E53-F551-4306-A8DA-3421021F0972}" type="datetimeFigureOut">
               <a:rPr lang="he-IL" smtClean="0"/>
-              <a:t>כ"א/אדר/תשפ"ה</a:t>
+              <a:t>כ"ד/ניסן/תשפ"ה</a:t>
             </a:fld>
             <a:endParaRPr lang="he-IL"/>
           </a:p>
@@ -3286,7 +3286,7 @@
           <a:p>
             <a:fld id="{F83F8E53-F551-4306-A8DA-3421021F0972}" type="datetimeFigureOut">
               <a:rPr lang="he-IL" smtClean="0"/>
-              <a:t>כ"א/אדר/תשפ"ה</a:t>
+              <a:t>כ"ד/ניסן/תשפ"ה</a:t>
             </a:fld>
             <a:endParaRPr lang="he-IL"/>
           </a:p>
@@ -19797,7 +19797,7 @@
         </p:blipFill>
         <p:spPr>
           <a:xfrm>
-            <a:off x="2266543" y="2217530"/>
+            <a:off x="2054854" y="2258562"/>
             <a:ext cx="7354111" cy="4139094"/>
           </a:xfrm>
           <a:prstGeom prst="rect">
@@ -20440,8 +20440,8 @@
         </p:blipFill>
         <p:spPr>
           <a:xfrm>
-            <a:off x="4115202" y="2016874"/>
-            <a:ext cx="4443007" cy="4975655"/>
+            <a:off x="4115202" y="2134916"/>
+            <a:ext cx="4103179" cy="4595087"/>
           </a:xfrm>
           <a:prstGeom prst="rect">
             <a:avLst/>
